--- a/Poster/Team18.pptx
+++ b/Poster/Team18.pptx
@@ -157,6 +157,11 @@
           </p15:clr>
         </p15:guide>
         <p15:guide id="10" pos="22296" userDrawn="1">
+          <p15:clr>
+            <a:srgbClr val="A4A3A4"/>
+          </p15:clr>
+        </p15:guide>
+        <p15:guide id="11" orient="horz" pos="2040" userDrawn="1">
           <p15:clr>
             <a:srgbClr val="A4A3A4"/>
           </p15:clr>
@@ -3664,7 +3669,7 @@
         </p:nvSpPr>
         <p:spPr>
           <a:xfrm>
-            <a:off x="7331537" y="100574"/>
+            <a:off x="5541798" y="147684"/>
             <a:ext cx="26811289" cy="2733674"/>
           </a:xfrm>
         </p:spPr>
@@ -3694,7 +3699,7 @@
         </p:nvSpPr>
         <p:spPr>
           <a:xfrm>
-            <a:off x="7212214" y="2241827"/>
+            <a:off x="5652357" y="2241827"/>
             <a:ext cx="28737858" cy="1023037"/>
           </a:xfrm>
           <a:prstGeom prst="rect">
@@ -4139,8 +4144,8 @@
         </p:blipFill>
         <p:spPr bwMode="auto">
           <a:xfrm>
-            <a:off x="1138252" y="766382"/>
-            <a:ext cx="5452850" cy="2444694"/>
+            <a:off x="419100" y="914400"/>
+            <a:ext cx="5122698" cy="2296676"/>
           </a:xfrm>
           <a:prstGeom prst="rect">
             <a:avLst/>
@@ -4206,11 +4211,7 @@
             </a:r>
             <a:r>
               <a:rPr lang="en-US" sz="4000" dirty="0" smtClean="0"/>
-              <a:t>: </a:t>
-            </a:r>
-            <a:r>
-              <a:rPr lang="en-US" sz="4000" dirty="0" smtClean="0"/>
-              <a:t>describe </a:t>
+              <a:t>: describe </a:t>
             </a:r>
             <a:r>
               <a:rPr lang="en-US" sz="4000" dirty="0"/>
@@ -4271,7 +4272,7 @@
           <p:cNvPr id="2" name="TextBox 1">
             <a:extLst>
               <a:ext uri="{FF2B5EF4-FFF2-40B4-BE49-F238E27FC236}">
-                <a16:creationId xmlns:a16="http://schemas.microsoft.com/office/drawing/2014/main" xmlns="" id="{2FDADA52-8A8F-419C-9D46-75247954B606}"/>
+                <a16:creationId xmlns="" xmlns:a16="http://schemas.microsoft.com/office/drawing/2014/main" id="{2FDADA52-8A8F-419C-9D46-75247954B606}"/>
               </a:ext>
             </a:extLst>
           </p:cNvPr>
@@ -4349,7 +4350,7 @@
           <p:cNvPr id="3" name="TextBox 2">
             <a:extLst>
               <a:ext uri="{FF2B5EF4-FFF2-40B4-BE49-F238E27FC236}">
-                <a16:creationId xmlns:a16="http://schemas.microsoft.com/office/drawing/2014/main" xmlns="" id="{8EC8F3FC-E2D3-43E7-BF09-2828DB7EC975}"/>
+                <a16:creationId xmlns="" xmlns:a16="http://schemas.microsoft.com/office/drawing/2014/main" id="{8EC8F3FC-E2D3-43E7-BF09-2828DB7EC975}"/>
               </a:ext>
             </a:extLst>
           </p:cNvPr>
@@ -4389,7 +4390,7 @@
           <p:cNvPr id="27" name="TextBox 26">
             <a:extLst>
               <a:ext uri="{FF2B5EF4-FFF2-40B4-BE49-F238E27FC236}">
-                <a16:creationId xmlns:a16="http://schemas.microsoft.com/office/drawing/2014/main" xmlns="" id="{45BE7247-9DE2-4206-8428-BDD5977AB06E}"/>
+                <a16:creationId xmlns="" xmlns:a16="http://schemas.microsoft.com/office/drawing/2014/main" id="{45BE7247-9DE2-4206-8428-BDD5977AB06E}"/>
               </a:ext>
             </a:extLst>
           </p:cNvPr>
@@ -4425,7 +4426,7 @@
           <p:cNvPr id="28" name="Picture 27">
             <a:extLst>
               <a:ext uri="{FF2B5EF4-FFF2-40B4-BE49-F238E27FC236}">
-                <a16:creationId xmlns:a16="http://schemas.microsoft.com/office/drawing/2014/main" xmlns="" id="{81160CD9-79D3-4A57-8699-8B2B1CB9BF2C}"/>
+                <a16:creationId xmlns="" xmlns:a16="http://schemas.microsoft.com/office/drawing/2014/main" id="{81160CD9-79D3-4A57-8699-8B2B1CB9BF2C}"/>
               </a:ext>
             </a:extLst>
           </p:cNvPr>
@@ -4455,7 +4456,7 @@
           <p:cNvPr id="30" name="TextBox 29">
             <a:extLst>
               <a:ext uri="{FF2B5EF4-FFF2-40B4-BE49-F238E27FC236}">
-                <a16:creationId xmlns:a16="http://schemas.microsoft.com/office/drawing/2014/main" xmlns="" id="{6C03916F-71A1-4FE3-A107-D855E43D4617}"/>
+                <a16:creationId xmlns="" xmlns:a16="http://schemas.microsoft.com/office/drawing/2014/main" id="{6C03916F-71A1-4FE3-A107-D855E43D4617}"/>
               </a:ext>
             </a:extLst>
           </p:cNvPr>
@@ -4500,7 +4501,7 @@
           <p:cNvPr id="31" name="TextBox 30">
             <a:extLst>
               <a:ext uri="{FF2B5EF4-FFF2-40B4-BE49-F238E27FC236}">
-                <a16:creationId xmlns:a16="http://schemas.microsoft.com/office/drawing/2014/main" xmlns="" id="{0E6E52D6-9B76-4F80-B450-F0F86E8EF666}"/>
+                <a16:creationId xmlns="" xmlns:a16="http://schemas.microsoft.com/office/drawing/2014/main" id="{0E6E52D6-9B76-4F80-B450-F0F86E8EF666}"/>
               </a:ext>
             </a:extLst>
           </p:cNvPr>
@@ -4565,6 +4566,37 @@
           </a:p>
         </p:txBody>
       </p:sp>
+      <p:pic>
+        <p:nvPicPr>
+          <p:cNvPr id="5" name="Picture 4"/>
+          <p:cNvPicPr>
+            <a:picLocks noChangeAspect="1"/>
+          </p:cNvPicPr>
+          <p:nvPr/>
+        </p:nvPicPr>
+        <p:blipFill>
+          <a:blip r:embed="rId7">
+            <a:alphaModFix/>
+            <a:extLst>
+              <a:ext uri="{28A0092B-C50C-407E-A947-70E740481C1C}">
+                <a14:useLocalDpi xmlns:a14="http://schemas.microsoft.com/office/drawing/2010/main" val="0"/>
+              </a:ext>
+            </a:extLst>
+          </a:blip>
+          <a:stretch>
+            <a:fillRect/>
+          </a:stretch>
+        </p:blipFill>
+        <p:spPr>
+          <a:xfrm>
+            <a:off x="33903091" y="914400"/>
+            <a:ext cx="2296676" cy="2296676"/>
+          </a:xfrm>
+          <a:prstGeom prst="rect">
+            <a:avLst/>
+          </a:prstGeom>
+        </p:spPr>
+      </p:pic>
     </p:spTree>
     <p:extLst>
       <p:ext uri="{BB962C8B-B14F-4D97-AF65-F5344CB8AC3E}">
@@ -5333,7 +5365,7 @@
           <p:cNvPr id="2" name="TextBox 1">
             <a:extLst>
               <a:ext uri="{FF2B5EF4-FFF2-40B4-BE49-F238E27FC236}">
-                <a16:creationId xmlns:a16="http://schemas.microsoft.com/office/drawing/2014/main" xmlns="" id="{2FDADA52-8A8F-419C-9D46-75247954B606}"/>
+                <a16:creationId xmlns="" xmlns:a16="http://schemas.microsoft.com/office/drawing/2014/main" id="{2FDADA52-8A8F-419C-9D46-75247954B606}"/>
               </a:ext>
             </a:extLst>
           </p:cNvPr>
@@ -5411,7 +5443,7 @@
           <p:cNvPr id="3" name="TextBox 2">
             <a:extLst>
               <a:ext uri="{FF2B5EF4-FFF2-40B4-BE49-F238E27FC236}">
-                <a16:creationId xmlns:a16="http://schemas.microsoft.com/office/drawing/2014/main" xmlns="" id="{8EC8F3FC-E2D3-43E7-BF09-2828DB7EC975}"/>
+                <a16:creationId xmlns="" xmlns:a16="http://schemas.microsoft.com/office/drawing/2014/main" id="{8EC8F3FC-E2D3-43E7-BF09-2828DB7EC975}"/>
               </a:ext>
             </a:extLst>
           </p:cNvPr>
@@ -5447,7 +5479,7 @@
           <p:cNvPr id="27" name="TextBox 26">
             <a:extLst>
               <a:ext uri="{FF2B5EF4-FFF2-40B4-BE49-F238E27FC236}">
-                <a16:creationId xmlns:a16="http://schemas.microsoft.com/office/drawing/2014/main" xmlns="" id="{45BE7247-9DE2-4206-8428-BDD5977AB06E}"/>
+                <a16:creationId xmlns="" xmlns:a16="http://schemas.microsoft.com/office/drawing/2014/main" id="{45BE7247-9DE2-4206-8428-BDD5977AB06E}"/>
               </a:ext>
             </a:extLst>
           </p:cNvPr>
@@ -5483,7 +5515,7 @@
           <p:cNvPr id="28" name="Picture 27">
             <a:extLst>
               <a:ext uri="{FF2B5EF4-FFF2-40B4-BE49-F238E27FC236}">
-                <a16:creationId xmlns:a16="http://schemas.microsoft.com/office/drawing/2014/main" xmlns="" id="{81160CD9-79D3-4A57-8699-8B2B1CB9BF2C}"/>
+                <a16:creationId xmlns="" xmlns:a16="http://schemas.microsoft.com/office/drawing/2014/main" id="{81160CD9-79D3-4A57-8699-8B2B1CB9BF2C}"/>
               </a:ext>
             </a:extLst>
           </p:cNvPr>
@@ -5513,7 +5545,7 @@
           <p:cNvPr id="30" name="TextBox 29">
             <a:extLst>
               <a:ext uri="{FF2B5EF4-FFF2-40B4-BE49-F238E27FC236}">
-                <a16:creationId xmlns:a16="http://schemas.microsoft.com/office/drawing/2014/main" xmlns="" id="{6C03916F-71A1-4FE3-A107-D855E43D4617}"/>
+                <a16:creationId xmlns="" xmlns:a16="http://schemas.microsoft.com/office/drawing/2014/main" id="{6C03916F-71A1-4FE3-A107-D855E43D4617}"/>
               </a:ext>
             </a:extLst>
           </p:cNvPr>
@@ -5558,7 +5590,7 @@
           <p:cNvPr id="31" name="TextBox 30">
             <a:extLst>
               <a:ext uri="{FF2B5EF4-FFF2-40B4-BE49-F238E27FC236}">
-                <a16:creationId xmlns:a16="http://schemas.microsoft.com/office/drawing/2014/main" xmlns="" id="{0E6E52D6-9B76-4F80-B450-F0F86E8EF666}"/>
+                <a16:creationId xmlns="" xmlns:a16="http://schemas.microsoft.com/office/drawing/2014/main" id="{0E6E52D6-9B76-4F80-B450-F0F86E8EF666}"/>
               </a:ext>
             </a:extLst>
           </p:cNvPr>
